--- a/CV FFROMAGER FR.pptx
+++ b/CV FFROMAGER FR.pptx
@@ -9,13 +9,14 @@
     <p:sldMasterId id="2147483739" r:id="rId8"/>
   </p:sldMasterIdLst>
   <p:notesMasterIdLst>
-    <p:notesMasterId r:id="rId10"/>
+    <p:notesMasterId r:id="rId11"/>
   </p:notesMasterIdLst>
   <p:handoutMasterIdLst>
-    <p:handoutMasterId r:id="rId11"/>
+    <p:handoutMasterId r:id="rId12"/>
   </p:handoutMasterIdLst>
   <p:sldIdLst>
     <p:sldId id="571" r:id="rId9"/>
+    <p:sldId id="572" r:id="rId10"/>
   </p:sldIdLst>
   <p:sldSz cx="12192000" cy="6858000"/>
   <p:notesSz cx="6858000" cy="9144000"/>
@@ -5557,7 +5558,7 @@
         </p:nvSpPr>
         <p:spPr>
           <a:xfrm>
-            <a:off x="6090168" y="283120"/>
+            <a:off x="6090168" y="260817"/>
             <a:ext cx="2647323" cy="262140"/>
           </a:xfrm>
           <a:prstGeom prst="roundRect">
@@ -6755,7 +6756,27 @@
                 <a:latin typeface="Ubuntu Light" panose="020B0304030602030204" pitchFamily="34" charset="0"/>
                 <a:cs typeface="Times New Roman" pitchFamily="18" charset="0"/>
               </a:rPr>
-              <a:t>: module de Lancement et de gestion des processus asynchrones :  équipe de 8 personnes en France et Bulgarie</a:t>
+              <a:t>: Architecte / Chef </a:t>
+            </a:r>
+            <a:r>
+              <a:rPr lang="fr-FR" sz="1200">
+                <a:solidFill>
+                  <a:srgbClr val="15596B"/>
+                </a:solidFill>
+                <a:latin typeface="Ubuntu Light" panose="020B0304030602030204" pitchFamily="34" charset="0"/>
+                <a:cs typeface="Times New Roman" pitchFamily="18" charset="0"/>
+              </a:rPr>
+              <a:t>de projet module </a:t>
+            </a:r>
+            <a:r>
+              <a:rPr lang="fr-FR" sz="1200" dirty="0">
+                <a:solidFill>
+                  <a:srgbClr val="15596B"/>
+                </a:solidFill>
+                <a:latin typeface="Ubuntu Light" panose="020B0304030602030204" pitchFamily="34" charset="0"/>
+                <a:cs typeface="Times New Roman" pitchFamily="18" charset="0"/>
+              </a:rPr>
+              <a:t>de Lancement et de gestion des processus asynchrones :  équipe de 8 personnes en France et Bulgarie</a:t>
             </a:r>
           </a:p>
           <a:p>
@@ -7132,7 +7153,7 @@
                 </a:solidFill>
                 <a:latin typeface="Ubuntu" panose="020B0804030602030204" pitchFamily="34" charset="0"/>
               </a:rPr>
-              <a:t>Langages informatiques : Python, C/C++, C#,, Java, Javascript, GDL,  SQL, Groovy</a:t>
+              <a:t>Langages informatiques : Python, C/C++, C#,, Java, Javascript, GDL,  SQL, Groovy, Git</a:t>
             </a:r>
           </a:p>
           <a:p>
@@ -7406,7 +7427,7 @@
                 </a:solidFill>
                 <a:latin typeface="Ubuntu" panose="020B0804030602030204" pitchFamily="34" charset="0"/>
               </a:rPr>
-              <a:t>automatisation du processus d’installation d’un logiciel ; intégration continue ; sécurisation des données à l’aide de Docker, Jenkins, Azure DevOps et des outils DEVOPS. </a:t>
+              <a:t>automatisation du processus d’installation d’un logiciel ; intégration continue ; utilisation de  Docker, Jenkins, Azure DevOps et des outils DEVOPS. </a:t>
             </a:r>
           </a:p>
           <a:p>
@@ -7472,6 +7493,502 @@
 </p:sld>
 </file>
 
+<file path=ppt/slides/slide2.xml><?xml version="1.0" encoding="utf-8"?>
+<p:sld xmlns:a="http://schemas.openxmlformats.org/drawingml/2006/main" xmlns:r="http://schemas.openxmlformats.org/officeDocument/2006/relationships" xmlns:p="http://schemas.openxmlformats.org/presentationml/2006/main">
+  <p:cSld>
+    <p:spTree>
+      <p:nvGrpSpPr>
+        <p:cNvPr id="1" name=""/>
+        <p:cNvGrpSpPr/>
+        <p:nvPr/>
+      </p:nvGrpSpPr>
+      <p:grpSpPr>
+        <a:xfrm>
+          <a:off x="0" y="0"/>
+          <a:ext cx="0" cy="0"/>
+          <a:chOff x="0" y="0"/>
+          <a:chExt cx="0" cy="0"/>
+        </a:xfrm>
+      </p:grpSpPr>
+      <p:sp>
+        <p:nvSpPr>
+          <p:cNvPr id="2" name="Rectangle : coins arrondis 1">
+            <a:extLst>
+              <a:ext uri="{FF2B5EF4-FFF2-40B4-BE49-F238E27FC236}">
+                <a16:creationId xmlns:a16="http://schemas.microsoft.com/office/drawing/2014/main" id="{C0D2ECFA-3170-4BE1-99BC-816633AA144A}"/>
+              </a:ext>
+            </a:extLst>
+          </p:cNvPr>
+          <p:cNvSpPr/>
+          <p:nvPr/>
+        </p:nvSpPr>
+        <p:spPr>
+          <a:xfrm>
+            <a:off x="6090168" y="283120"/>
+            <a:ext cx="2647323" cy="262140"/>
+          </a:xfrm>
+          <a:prstGeom prst="roundRect">
+            <a:avLst>
+              <a:gd name="adj" fmla="val 50000"/>
+            </a:avLst>
+          </a:prstGeom>
+          <a:solidFill>
+            <a:srgbClr val="15596B"/>
+          </a:solidFill>
+          <a:ln>
+            <a:noFill/>
+          </a:ln>
+          <a:effectLst/>
+        </p:spPr>
+        <p:style>
+          <a:lnRef idx="2">
+            <a:schemeClr val="accent1">
+              <a:shade val="50000"/>
+            </a:schemeClr>
+          </a:lnRef>
+          <a:fillRef idx="1">
+            <a:schemeClr val="accent1"/>
+          </a:fillRef>
+          <a:effectRef idx="0">
+            <a:schemeClr val="accent1"/>
+          </a:effectRef>
+          <a:fontRef idx="minor">
+            <a:schemeClr val="lt1"/>
+          </a:fontRef>
+        </p:style>
+        <p:txBody>
+          <a:bodyPr tIns="36000" bIns="36000" rtlCol="0" anchor="ctr"/>
+          <a:lstStyle/>
+          <a:p>
+            <a:pPr algn="just"/>
+            <a:r>
+              <a:rPr lang="fr-FR" sz="1200" b="1">
+                <a:solidFill>
+                  <a:schemeClr val="bg1"/>
+                </a:solidFill>
+                <a:latin typeface="Ubuntu" panose="020B0804030602030204" pitchFamily="34" charset="0"/>
+              </a:rPr>
+              <a:t>Expériences professionnelles</a:t>
+            </a:r>
+          </a:p>
+        </p:txBody>
+      </p:sp>
+      <p:sp>
+        <p:nvSpPr>
+          <p:cNvPr id="3" name="Rectangle 2">
+            <a:extLst>
+              <a:ext uri="{FF2B5EF4-FFF2-40B4-BE49-F238E27FC236}">
+                <a16:creationId xmlns:a16="http://schemas.microsoft.com/office/drawing/2014/main" id="{18FBF550-EC99-4831-AEA2-0B662A7F9957}"/>
+              </a:ext>
+            </a:extLst>
+          </p:cNvPr>
+          <p:cNvSpPr/>
+          <p:nvPr>
+            <p:custDataLst>
+              <p:tags r:id="rId1"/>
+            </p:custDataLst>
+          </p:nvPr>
+        </p:nvSpPr>
+        <p:spPr bwMode="auto">
+          <a:xfrm>
+            <a:off x="6090168" y="780585"/>
+            <a:ext cx="5912886" cy="5680973"/>
+          </a:xfrm>
+          <a:prstGeom prst="rect">
+            <a:avLst/>
+          </a:prstGeom>
+          <a:noFill/>
+          <a:ln w="9525" cap="flat" cmpd="sng" algn="ctr">
+            <a:noFill/>
+            <a:prstDash val="solid"/>
+            <a:round/>
+            <a:headEnd type="none" w="med" len="med"/>
+            <a:tailEnd type="none" w="med" len="med"/>
+          </a:ln>
+          <a:effectLst/>
+        </p:spPr>
+        <p:txBody>
+          <a:bodyPr lIns="216000" tIns="36000" rIns="0" bIns="90000" anchor="ctr">
+            <a:noAutofit/>
+          </a:bodyPr>
+          <a:lstStyle/>
+          <a:p>
+            <a:pPr lvl="1" indent="-277813">
+              <a:spcBef>
+                <a:spcPts val="150"/>
+              </a:spcBef>
+              <a:spcAft>
+                <a:spcPts val="150"/>
+              </a:spcAft>
+              <a:buClr>
+                <a:srgbClr val="95E616"/>
+              </a:buClr>
+              <a:buSzPct val="100000"/>
+              <a:buFont typeface="Arial" panose="020B0604020202020204" pitchFamily="34" charset="0"/>
+              <a:buChar char="•"/>
+              <a:tabLst>
+                <a:tab pos="2098675" algn="l"/>
+                <a:tab pos="3616325" algn="r"/>
+              </a:tabLst>
+            </a:pPr>
+            <a:endParaRPr lang="fr-FR" sz="1200" b="1" dirty="0">
+              <a:solidFill>
+                <a:srgbClr val="15596B"/>
+              </a:solidFill>
+              <a:latin typeface="Ubuntu Light" panose="020B0304030602030204" pitchFamily="34" charset="0"/>
+              <a:cs typeface="Times New Roman" pitchFamily="18" charset="0"/>
+            </a:endParaRPr>
+          </a:p>
+          <a:p>
+            <a:pPr lvl="1" indent="-277813">
+              <a:spcBef>
+                <a:spcPts val="150"/>
+              </a:spcBef>
+              <a:spcAft>
+                <a:spcPts val="150"/>
+              </a:spcAft>
+              <a:buClr>
+                <a:srgbClr val="95E616"/>
+              </a:buClr>
+              <a:buSzPct val="100000"/>
+              <a:buFont typeface="Arial" panose="020B0604020202020204" pitchFamily="34" charset="0"/>
+              <a:buChar char="•"/>
+              <a:tabLst>
+                <a:tab pos="2098675" algn="l"/>
+                <a:tab pos="3616325" algn="r"/>
+              </a:tabLst>
+            </a:pPr>
+            <a:endParaRPr lang="fr-FR" sz="1200" dirty="0">
+              <a:solidFill>
+                <a:srgbClr val="15596B"/>
+              </a:solidFill>
+              <a:latin typeface="Ubuntu Light" panose="020B0304030602030204" pitchFamily="34" charset="0"/>
+              <a:cs typeface="Times New Roman" pitchFamily="18" charset="0"/>
+            </a:endParaRPr>
+          </a:p>
+          <a:p>
+            <a:pPr lvl="1" indent="-277813">
+              <a:spcBef>
+                <a:spcPts val="150"/>
+              </a:spcBef>
+              <a:spcAft>
+                <a:spcPts val="150"/>
+              </a:spcAft>
+              <a:buClr>
+                <a:srgbClr val="95E616"/>
+              </a:buClr>
+              <a:buSzPct val="100000"/>
+              <a:buFont typeface="Arial" panose="020B0604020202020204" pitchFamily="34" charset="0"/>
+              <a:buChar char="•"/>
+              <a:tabLst>
+                <a:tab pos="2098675" algn="l"/>
+                <a:tab pos="3616325" algn="r"/>
+              </a:tabLst>
+            </a:pPr>
+            <a:endParaRPr lang="fr-FR" sz="1200" dirty="0">
+              <a:solidFill>
+                <a:srgbClr val="15596B"/>
+              </a:solidFill>
+              <a:latin typeface="Ubuntu Light" panose="020B0304030602030204" pitchFamily="34" charset="0"/>
+              <a:cs typeface="Times New Roman" pitchFamily="18" charset="0"/>
+            </a:endParaRPr>
+          </a:p>
+          <a:p>
+            <a:pPr marL="179387" lvl="1">
+              <a:spcBef>
+                <a:spcPts val="150"/>
+              </a:spcBef>
+              <a:spcAft>
+                <a:spcPts val="150"/>
+              </a:spcAft>
+              <a:buClr>
+                <a:srgbClr val="95E616"/>
+              </a:buClr>
+              <a:buSzPct val="100000"/>
+              <a:tabLst>
+                <a:tab pos="2098675" algn="l"/>
+                <a:tab pos="3616325" algn="r"/>
+              </a:tabLst>
+            </a:pPr>
+            <a:endParaRPr lang="fr-FR" sz="1200" dirty="0">
+              <a:solidFill>
+                <a:srgbClr val="15596B"/>
+              </a:solidFill>
+              <a:latin typeface="Ubuntu Light" panose="020B0304030602030204" pitchFamily="34" charset="0"/>
+            </a:endParaRPr>
+          </a:p>
+        </p:txBody>
+      </p:sp>
+      <p:sp>
+        <p:nvSpPr>
+          <p:cNvPr id="5" name="ZoneTexte 4">
+            <a:extLst>
+              <a:ext uri="{FF2B5EF4-FFF2-40B4-BE49-F238E27FC236}">
+                <a16:creationId xmlns:a16="http://schemas.microsoft.com/office/drawing/2014/main" id="{96B07E2C-06E9-44DD-9AD2-33075AB3DCDE}"/>
+              </a:ext>
+            </a:extLst>
+          </p:cNvPr>
+          <p:cNvSpPr txBox="1"/>
+          <p:nvPr/>
+        </p:nvSpPr>
+        <p:spPr>
+          <a:xfrm>
+            <a:off x="6086708" y="780585"/>
+            <a:ext cx="6105292" cy="1606722"/>
+          </a:xfrm>
+          <a:prstGeom prst="rect">
+            <a:avLst/>
+          </a:prstGeom>
+          <a:noFill/>
+        </p:spPr>
+        <p:txBody>
+          <a:bodyPr wrap="square">
+            <a:spAutoFit/>
+          </a:bodyPr>
+          <a:lstStyle/>
+          <a:p>
+            <a:pPr marL="171450" indent="-171450">
+              <a:spcBef>
+                <a:spcPts val="150"/>
+              </a:spcBef>
+              <a:spcAft>
+                <a:spcPts val="150"/>
+              </a:spcAft>
+              <a:buClr>
+                <a:srgbClr val="95E616"/>
+              </a:buClr>
+              <a:buSzPct val="150000"/>
+              <a:buFont typeface="Arial" panose="020B0604020202020204" pitchFamily="34" charset="0"/>
+              <a:buChar char="•"/>
+              <a:tabLst>
+                <a:tab pos="2098675" algn="l"/>
+                <a:tab pos="3616325" algn="r"/>
+              </a:tabLst>
+            </a:pPr>
+            <a:r>
+              <a:rPr lang="fr-FR" sz="1200" b="1" dirty="0" err="1">
+                <a:solidFill>
+                  <a:srgbClr val="15596B"/>
+                </a:solidFill>
+                <a:latin typeface="Ubuntu Light" panose="020B0304030602030204" pitchFamily="34" charset="0"/>
+                <a:cs typeface="Times New Roman" pitchFamily="18" charset="0"/>
+              </a:rPr>
+              <a:t>Tagg</a:t>
+            </a:r>
+            <a:r>
+              <a:rPr lang="fr-FR" sz="1200" b="1" dirty="0">
+                <a:solidFill>
+                  <a:srgbClr val="15596B"/>
+                </a:solidFill>
+                <a:latin typeface="Ubuntu Light" panose="020B0304030602030204" pitchFamily="34" charset="0"/>
+                <a:cs typeface="Times New Roman" pitchFamily="18" charset="0"/>
+              </a:rPr>
+              <a:t> Informatique -  Développeur / Chef de projets langage C/C++</a:t>
+            </a:r>
+          </a:p>
+          <a:p>
+            <a:pPr lvl="1" indent="-277813">
+              <a:spcBef>
+                <a:spcPts val="150"/>
+              </a:spcBef>
+              <a:spcAft>
+                <a:spcPts val="150"/>
+              </a:spcAft>
+              <a:buClr>
+                <a:srgbClr val="95E616"/>
+              </a:buClr>
+              <a:buSzPct val="100000"/>
+              <a:buFont typeface="Arial" panose="020B0604020202020204" pitchFamily="34" charset="0"/>
+              <a:buChar char="•"/>
+              <a:tabLst>
+                <a:tab pos="2098675" algn="l"/>
+                <a:tab pos="3616325" algn="r"/>
+              </a:tabLst>
+            </a:pPr>
+            <a:r>
+              <a:rPr lang="fr-FR" sz="1200" b="1" dirty="0">
+                <a:solidFill>
+                  <a:srgbClr val="15596B"/>
+                </a:solidFill>
+                <a:latin typeface="Ubuntu Light" panose="020B0304030602030204" pitchFamily="34" charset="0"/>
+                <a:cs typeface="Times New Roman" pitchFamily="18" charset="0"/>
+              </a:rPr>
+              <a:t>Responsable de l'équipe de développement : </a:t>
+            </a:r>
+            <a:r>
+              <a:rPr lang="fr-FR" sz="1200" dirty="0">
+                <a:solidFill>
+                  <a:srgbClr val="15596B"/>
+                </a:solidFill>
+                <a:latin typeface="Ubuntu Light" panose="020B0304030602030204" pitchFamily="34" charset="0"/>
+                <a:cs typeface="Times New Roman" pitchFamily="18" charset="0"/>
+              </a:rPr>
+              <a:t>animation d’une équipe de 7 personnes.</a:t>
+            </a:r>
+          </a:p>
+          <a:p>
+            <a:pPr lvl="1" indent="-277813">
+              <a:spcBef>
+                <a:spcPts val="150"/>
+              </a:spcBef>
+              <a:spcAft>
+                <a:spcPts val="150"/>
+              </a:spcAft>
+              <a:buClr>
+                <a:srgbClr val="95E616"/>
+              </a:buClr>
+              <a:buSzPct val="100000"/>
+              <a:buFont typeface="Arial" panose="020B0604020202020204" pitchFamily="34" charset="0"/>
+              <a:buChar char="•"/>
+              <a:tabLst>
+                <a:tab pos="2098675" algn="l"/>
+                <a:tab pos="3616325" algn="r"/>
+              </a:tabLst>
+            </a:pPr>
+            <a:r>
+              <a:rPr lang="fr-FR" sz="1200" b="1" dirty="0">
+                <a:solidFill>
+                  <a:srgbClr val="15596B"/>
+                </a:solidFill>
+                <a:latin typeface="Ubuntu Light" panose="020B0304030602030204" pitchFamily="34" charset="0"/>
+                <a:cs typeface="Times New Roman" pitchFamily="18" charset="0"/>
+              </a:rPr>
+              <a:t>Responsable du projet </a:t>
+            </a:r>
+            <a:r>
+              <a:rPr lang="fr-FR" sz="1200" b="1" dirty="0" err="1">
+                <a:solidFill>
+                  <a:srgbClr val="15596B"/>
+                </a:solidFill>
+                <a:latin typeface="Ubuntu Light" panose="020B0304030602030204" pitchFamily="34" charset="0"/>
+                <a:cs typeface="Times New Roman" pitchFamily="18" charset="0"/>
+              </a:rPr>
+              <a:t>TaggImage</a:t>
+            </a:r>
+            <a:r>
+              <a:rPr lang="fr-FR" sz="1200" b="1" dirty="0">
+                <a:solidFill>
+                  <a:srgbClr val="15596B"/>
+                </a:solidFill>
+                <a:latin typeface="Ubuntu Light" panose="020B0304030602030204" pitchFamily="34" charset="0"/>
+                <a:cs typeface="Times New Roman" pitchFamily="18" charset="0"/>
+              </a:rPr>
+              <a:t>  :  </a:t>
+            </a:r>
+            <a:r>
+              <a:rPr lang="fr-FR" sz="1200" dirty="0">
+                <a:solidFill>
+                  <a:srgbClr val="15596B"/>
+                </a:solidFill>
+                <a:latin typeface="Ubuntu Light" panose="020B0304030602030204" pitchFamily="34" charset="0"/>
+                <a:cs typeface="Times New Roman" pitchFamily="18" charset="0"/>
+              </a:rPr>
+              <a:t>contrôle caméra de documents imprimés par comparaison de modèles : Développeur / Chef de Projets</a:t>
+            </a:r>
+          </a:p>
+          <a:p>
+            <a:pPr lvl="1" indent="-277813">
+              <a:spcBef>
+                <a:spcPts val="150"/>
+              </a:spcBef>
+              <a:spcAft>
+                <a:spcPts val="150"/>
+              </a:spcAft>
+              <a:buClr>
+                <a:srgbClr val="95E616"/>
+              </a:buClr>
+              <a:buSzPct val="100000"/>
+              <a:buFont typeface="Arial" panose="020B0604020202020204" pitchFamily="34" charset="0"/>
+              <a:buChar char="•"/>
+              <a:tabLst>
+                <a:tab pos="2098675" algn="l"/>
+                <a:tab pos="3616325" algn="r"/>
+              </a:tabLst>
+            </a:pPr>
+            <a:r>
+              <a:rPr lang="fr-FR" sz="1200" b="1" dirty="0">
+                <a:solidFill>
+                  <a:srgbClr val="15596B"/>
+                </a:solidFill>
+                <a:latin typeface="Ubuntu Light" panose="020B0304030602030204" pitchFamily="34" charset="0"/>
+                <a:cs typeface="Times New Roman" pitchFamily="18" charset="0"/>
+              </a:rPr>
+              <a:t>Développement et Exploitation de </a:t>
+            </a:r>
+            <a:r>
+              <a:rPr lang="fr-FR" sz="1200" b="1" dirty="0" err="1">
+                <a:solidFill>
+                  <a:srgbClr val="15596B"/>
+                </a:solidFill>
+                <a:latin typeface="Ubuntu Light" panose="020B0304030602030204" pitchFamily="34" charset="0"/>
+                <a:cs typeface="Times New Roman" pitchFamily="18" charset="0"/>
+              </a:rPr>
+              <a:t>VotExpress</a:t>
+            </a:r>
+            <a:r>
+              <a:rPr lang="fr-FR" sz="1200" b="1" dirty="0">
+                <a:solidFill>
+                  <a:srgbClr val="15596B"/>
+                </a:solidFill>
+                <a:latin typeface="Ubuntu Light" panose="020B0304030602030204" pitchFamily="34" charset="0"/>
+                <a:cs typeface="Times New Roman" pitchFamily="18" charset="0"/>
+              </a:rPr>
+              <a:t>, </a:t>
+            </a:r>
+            <a:r>
+              <a:rPr lang="fr-FR" sz="1200" dirty="0">
+                <a:solidFill>
+                  <a:srgbClr val="15596B"/>
+                </a:solidFill>
+                <a:latin typeface="Ubuntu Light" panose="020B0304030602030204" pitchFamily="34" charset="0"/>
+                <a:cs typeface="Times New Roman" pitchFamily="18" charset="0"/>
+              </a:rPr>
+              <a:t>solution de vote par traitement électronique de documents. Conception, réalisation et mise en exploitation  du logiciel.</a:t>
+            </a:r>
+          </a:p>
+          <a:p>
+            <a:pPr marL="342900" lvl="0" indent="-342900" algn="just">
+              <a:lnSpc>
+                <a:spcPct val="120000"/>
+              </a:lnSpc>
+              <a:spcBef>
+                <a:spcPts val="200"/>
+              </a:spcBef>
+              <a:spcAft>
+                <a:spcPts val="800"/>
+              </a:spcAft>
+              <a:buSzPts val="1050"/>
+              <a:buFont typeface="Wingdings" panose="05000000000000000000" pitchFamily="2" charset="2"/>
+              <a:buChar char=""/>
+              <a:tabLst>
+                <a:tab pos="323850" algn="l"/>
+              </a:tabLst>
+            </a:pPr>
+            <a:endParaRPr lang="fr-FR" sz="1200" dirty="0">
+              <a:solidFill>
+                <a:srgbClr val="595959"/>
+              </a:solidFill>
+              <a:effectLst/>
+              <a:latin typeface="Cambria" panose="02040503050406030204" pitchFamily="18" charset="0"/>
+              <a:ea typeface="Cambria" panose="02040503050406030204" pitchFamily="18" charset="0"/>
+              <a:cs typeface="Wingdings" panose="05000000000000000000" pitchFamily="2" charset="2"/>
+            </a:endParaRPr>
+          </a:p>
+        </p:txBody>
+      </p:sp>
+    </p:spTree>
+    <p:extLst>
+      <p:ext uri="{BB962C8B-B14F-4D97-AF65-F5344CB8AC3E}">
+        <p14:creationId xmlns:p14="http://schemas.microsoft.com/office/powerpoint/2010/main" val="2940760542"/>
+      </p:ext>
+    </p:extLst>
+  </p:cSld>
+  <p:clrMapOvr>
+    <a:masterClrMapping/>
+  </p:clrMapOvr>
+</p:sld>
+</file>
+
 <file path=ppt/tags/tag1.xml><?xml version="1.0" encoding="utf-8"?>
 <p:tagLst xmlns:a="http://schemas.openxmlformats.org/drawingml/2006/main" xmlns:r="http://schemas.openxmlformats.org/officeDocument/2006/relationships" xmlns:p="http://schemas.openxmlformats.org/presentationml/2006/main">
   <p:tag name="THINKCELLSHAPEDONOTDELETE" val="pgyaV9tPeuEKQ1qJXS2HPgQ"/>
@@ -7509,6 +8026,12 @@
 </file>
 
 <file path=ppt/tags/tag7.xml><?xml version="1.0" encoding="utf-8"?>
+<p:tagLst xmlns:a="http://schemas.openxmlformats.org/drawingml/2006/main" xmlns:r="http://schemas.openxmlformats.org/officeDocument/2006/relationships" xmlns:p="http://schemas.openxmlformats.org/presentationml/2006/main">
+  <p:tag name="THINKCELLSHAPEDONOTDELETE" val="pgyaV9tPeuEKQ1qJXS2HPgQ"/>
+</p:tagLst>
+</file>
+
+<file path=ppt/tags/tag8.xml><?xml version="1.0" encoding="utf-8"?>
 <p:tagLst xmlns:a="http://schemas.openxmlformats.org/drawingml/2006/main" xmlns:r="http://schemas.openxmlformats.org/officeDocument/2006/relationships" xmlns:p="http://schemas.openxmlformats.org/presentationml/2006/main">
   <p:tag name="THINKCELLSHAPEDONOTDELETE" val="pgyaV9tPeuEKQ1qJXS2HPgQ"/>
 </p:tagLst>
@@ -9110,6 +9633,12 @@
 </file>
 
 <file path=customXml/item1.xml><?xml version="1.0" encoding="utf-8"?>
+<p:properties xmlns:p="http://schemas.microsoft.com/office/2006/metadata/properties" xmlns:xsi="http://www.w3.org/2001/XMLSchema-instance" xmlns:pc="http://schemas.microsoft.com/office/infopath/2007/PartnerControls">
+  <documentManagement/>
+</p:properties>
+</file>
+
+<file path=customXml/item2.xml><?xml version="1.0" encoding="utf-8"?>
 <?mso-contentType ?>
 <FormTemplates xmlns="http://schemas.microsoft.com/sharepoint/v3/contenttype/forms">
   <Display>DocumentLibraryForm</Display>
@@ -9118,7 +9647,7 @@
 </FormTemplates>
 </file>
 
-<file path=customXml/item2.xml><?xml version="1.0" encoding="utf-8"?>
+<file path=customXml/item3.xml><?xml version="1.0" encoding="utf-8"?>
 <ct:contentTypeSchema xmlns:ct="http://schemas.microsoft.com/office/2006/metadata/contentType" xmlns:ma="http://schemas.microsoft.com/office/2006/metadata/properties/metaAttributes" ct:_="" ma:_="" ma:contentTypeName="Document" ma:contentTypeID="0x010100977C7012D3141548AB740031175D0D08" ma:contentTypeVersion="4" ma:contentTypeDescription="Crée un document." ma:contentTypeScope="" ma:versionID="7ddd77b1b73b7ed7feca05c6f80d3262">
   <xsd:schema xmlns:xsd="http://www.w3.org/2001/XMLSchema" xmlns:xs="http://www.w3.org/2001/XMLSchema" xmlns:p="http://schemas.microsoft.com/office/2006/metadata/properties" xmlns:ns2="a7fee553-5b5e-4d4f-85e8-27a52b166282" xmlns:ns3="5e665403-6457-4f7f-ae16-6bd84b0cb826" targetNamespace="http://schemas.microsoft.com/office/2006/metadata/properties" ma:root="true" ma:fieldsID="415cb25f1fd5747381ee6f3339bcb6df" ns2:_="" ns3:_="">
     <xsd:import namespace="a7fee553-5b5e-4d4f-85e8-27a52b166282"/>
@@ -9283,13 +9812,23 @@
 </ct:contentTypeSchema>
 </file>
 
-<file path=customXml/item3.xml><?xml version="1.0" encoding="utf-8"?>
-<p:properties xmlns:p="http://schemas.microsoft.com/office/2006/metadata/properties" xmlns:xsi="http://www.w3.org/2001/XMLSchema-instance" xmlns:pc="http://schemas.microsoft.com/office/infopath/2007/PartnerControls">
-  <documentManagement/>
-</p:properties>
+<file path=customXml/itemProps1.xml><?xml version="1.0" encoding="utf-8"?>
+<ds:datastoreItem xmlns:ds="http://schemas.openxmlformats.org/officeDocument/2006/customXml" ds:itemID="{C6807F67-3C8A-409D-8CB9-BF07F05B872A}">
+  <ds:schemaRefs>
+    <ds:schemaRef ds:uri="a7fee553-5b5e-4d4f-85e8-27a52b166282"/>
+    <ds:schemaRef ds:uri="http://purl.org/dc/dcmitype/"/>
+    <ds:schemaRef ds:uri="http://purl.org/dc/elements/1.1/"/>
+    <ds:schemaRef ds:uri="http://purl.org/dc/terms/"/>
+    <ds:schemaRef ds:uri="http://schemas.microsoft.com/office/2006/documentManagement/types"/>
+    <ds:schemaRef ds:uri="http://schemas.microsoft.com/office/2006/metadata/properties"/>
+    <ds:schemaRef ds:uri="http://schemas.microsoft.com/office/infopath/2007/PartnerControls"/>
+    <ds:schemaRef ds:uri="http://schemas.openxmlformats.org/package/2006/metadata/core-properties"/>
+    <ds:schemaRef ds:uri="http://www.w3.org/XML/1998/namespace"/>
+  </ds:schemaRefs>
+</ds:datastoreItem>
 </file>
 
-<file path=customXml/itemProps1.xml><?xml version="1.0" encoding="utf-8"?>
+<file path=customXml/itemProps2.xml><?xml version="1.0" encoding="utf-8"?>
 <ds:datastoreItem xmlns:ds="http://schemas.openxmlformats.org/officeDocument/2006/customXml" ds:itemID="{2B9ECA75-A426-4AF1-8499-369CC8C4488C}">
   <ds:schemaRefs>
     <ds:schemaRef ds:uri="http://schemas.microsoft.com/sharepoint/v3/contenttype/forms"/>
@@ -9297,7 +9836,7 @@
 </ds:datastoreItem>
 </file>
 
-<file path=customXml/itemProps2.xml><?xml version="1.0" encoding="utf-8"?>
+<file path=customXml/itemProps3.xml><?xml version="1.0" encoding="utf-8"?>
 <ds:datastoreItem xmlns:ds="http://schemas.openxmlformats.org/officeDocument/2006/customXml" ds:itemID="{84862EE4-BC97-47BC-ACF5-AC2B4C8236D6}">
   <ds:schemaRefs>
     <ds:schemaRef ds:uri="http://schemas.microsoft.com/office/2006/metadata/contentType"/>
@@ -9314,20 +9853,4 @@
     <ds:schemaRef ds:uri="http://schemas.microsoft.com/internal/obd"/>
   </ds:schemaRefs>
 </ds:datastoreItem>
-</file>
-
-<file path=customXml/itemProps3.xml><?xml version="1.0" encoding="utf-8"?>
-<ds:datastoreItem xmlns:ds="http://schemas.openxmlformats.org/officeDocument/2006/customXml" ds:itemID="{C6807F67-3C8A-409D-8CB9-BF07F05B872A}">
-  <ds:schemaRefs>
-    <ds:schemaRef ds:uri="a7fee553-5b5e-4d4f-85e8-27a52b166282"/>
-    <ds:schemaRef ds:uri="http://purl.org/dc/dcmitype/"/>
-    <ds:schemaRef ds:uri="http://purl.org/dc/elements/1.1/"/>
-    <ds:schemaRef ds:uri="http://purl.org/dc/terms/"/>
-    <ds:schemaRef ds:uri="http://schemas.microsoft.com/office/2006/documentManagement/types"/>
-    <ds:schemaRef ds:uri="http://schemas.microsoft.com/office/2006/metadata/properties"/>
-    <ds:schemaRef ds:uri="http://schemas.microsoft.com/office/infopath/2007/PartnerControls"/>
-    <ds:schemaRef ds:uri="http://schemas.openxmlformats.org/package/2006/metadata/core-properties"/>
-    <ds:schemaRef ds:uri="http://www.w3.org/XML/1998/namespace"/>
-  </ds:schemaRefs>
-</ds:datastoreItem>
 </file>